--- a/Docs/Design Patterns - Visitor.pptx
+++ b/Docs/Design Patterns - Visitor.pptx
@@ -9,7 +9,6 @@
     <p:sldId id="257" r:id="rId3"/>
     <p:sldId id="258" r:id="rId4"/>
     <p:sldId id="259" r:id="rId5"/>
-    <p:sldId id="260" r:id="rId6"/>
   </p:sldIdLst>
   <p:sldSz cx="12192000" cy="6858000"/>
   <p:notesSz cx="6858000" cy="9144000"/>
@@ -108,6 +107,11 @@
       </a:defRPr>
     </a:lvl9pPr>
   </p:defaultTextStyle>
+  <p:extLst>
+    <p:ext uri="{EFAFB233-063F-42B5-8137-9DF3F51BA10A}">
+      <p15:sldGuideLst xmlns:p15="http://schemas.microsoft.com/office/powerpoint/2012/main"/>
+    </p:ext>
+  </p:extLst>
 </p:presentation>
 </file>
 
@@ -161,7 +165,7 @@
           <a:noFill/>
           <a:extLst>
             <a:ext uri="{909E8E84-426E-40dd-AFC4-6F175D3DCCD1}">
-              <a14:hiddenFill xmlns:a14="http://schemas.microsoft.com/office/drawing/2010/main" xmlns="">
+              <a14:hiddenFill xmlns="" xmlns:a14="http://schemas.microsoft.com/office/drawing/2010/main">
                 <a:solidFill>
                   <a:srgbClr val="FFFFFF"/>
                 </a:solidFill>
@@ -221,7 +225,7 @@
             </a:ln>
             <a:extLst>
               <a:ext uri="{91240B29-F687-4f45-9708-019B960494DF}">
-                <a14:hiddenLine xmlns:a14="http://schemas.microsoft.com/office/drawing/2010/main" xmlns="" w="9525">
+                <a14:hiddenLine xmlns="" xmlns:a14="http://schemas.microsoft.com/office/drawing/2010/main" w="9525">
                   <a:solidFill>
                     <a:srgbClr val="000000"/>
                   </a:solidFill>
@@ -311,7 +315,7 @@
             </a:ln>
             <a:extLst>
               <a:ext uri="{91240B29-F687-4f45-9708-019B960494DF}">
-                <a14:hiddenLine xmlns:a14="http://schemas.microsoft.com/office/drawing/2010/main" xmlns="" w="9525">
+                <a14:hiddenLine xmlns="" xmlns:a14="http://schemas.microsoft.com/office/drawing/2010/main" w="9525">
                   <a:solidFill>
                     <a:srgbClr val="000000"/>
                   </a:solidFill>
@@ -401,7 +405,7 @@
             </a:ln>
             <a:extLst>
               <a:ext uri="{91240B29-F687-4f45-9708-019B960494DF}">
-                <a14:hiddenLine xmlns:a14="http://schemas.microsoft.com/office/drawing/2010/main" xmlns="" w="9525">
+                <a14:hiddenLine xmlns="" xmlns:a14="http://schemas.microsoft.com/office/drawing/2010/main" w="9525">
                   <a:solidFill>
                     <a:srgbClr val="000000"/>
                   </a:solidFill>
@@ -435,7 +439,7 @@
             </a:ln>
             <a:extLst>
               <a:ext uri="{91240B29-F687-4f45-9708-019B960494DF}">
-                <a14:hiddenLine xmlns:a14="http://schemas.microsoft.com/office/drawing/2010/main" xmlns="" w="9525">
+                <a14:hiddenLine xmlns="" xmlns:a14="http://schemas.microsoft.com/office/drawing/2010/main" w="9525">
                   <a:solidFill>
                     <a:srgbClr val="000000"/>
                   </a:solidFill>
@@ -525,7 +529,7 @@
             </a:ln>
             <a:extLst>
               <a:ext uri="{91240B29-F687-4f45-9708-019B960494DF}">
-                <a14:hiddenLine xmlns:a14="http://schemas.microsoft.com/office/drawing/2010/main" xmlns="" w="9525">
+                <a14:hiddenLine xmlns="" xmlns:a14="http://schemas.microsoft.com/office/drawing/2010/main" w="9525">
                   <a:solidFill>
                     <a:srgbClr val="000000"/>
                   </a:solidFill>
@@ -587,7 +591,7 @@
             </a:ln>
             <a:extLst>
               <a:ext uri="{91240B29-F687-4f45-9708-019B960494DF}">
-                <a14:hiddenLine xmlns:a14="http://schemas.microsoft.com/office/drawing/2010/main" xmlns="" w="9525">
+                <a14:hiddenLine xmlns="" xmlns:a14="http://schemas.microsoft.com/office/drawing/2010/main" w="9525">
                   <a:solidFill>
                     <a:srgbClr val="000000"/>
                   </a:solidFill>
@@ -649,7 +653,7 @@
             </a:ln>
             <a:extLst>
               <a:ext uri="{91240B29-F687-4f45-9708-019B960494DF}">
-                <a14:hiddenLine xmlns:a14="http://schemas.microsoft.com/office/drawing/2010/main" xmlns="" w="9525">
+                <a14:hiddenLine xmlns="" xmlns:a14="http://schemas.microsoft.com/office/drawing/2010/main" w="9525">
                   <a:solidFill>
                     <a:srgbClr val="000000"/>
                   </a:solidFill>
@@ -739,7 +743,7 @@
             </a:ln>
             <a:extLst>
               <a:ext uri="{91240B29-F687-4f45-9708-019B960494DF}">
-                <a14:hiddenLine xmlns:a14="http://schemas.microsoft.com/office/drawing/2010/main" xmlns="" w="9525">
+                <a14:hiddenLine xmlns="" xmlns:a14="http://schemas.microsoft.com/office/drawing/2010/main" w="9525">
                   <a:solidFill>
                     <a:srgbClr val="000000"/>
                   </a:solidFill>
@@ -801,7 +805,7 @@
             </a:ln>
             <a:extLst>
               <a:ext uri="{91240B29-F687-4f45-9708-019B960494DF}">
-                <a14:hiddenLine xmlns:a14="http://schemas.microsoft.com/office/drawing/2010/main" xmlns="" w="9525">
+                <a14:hiddenLine xmlns="" xmlns:a14="http://schemas.microsoft.com/office/drawing/2010/main" w="9525">
                   <a:solidFill>
                     <a:srgbClr val="000000"/>
                   </a:solidFill>
@@ -863,7 +867,7 @@
             </a:ln>
             <a:extLst>
               <a:ext uri="{91240B29-F687-4f45-9708-019B960494DF}">
-                <a14:hiddenLine xmlns:a14="http://schemas.microsoft.com/office/drawing/2010/main" xmlns="" w="9525">
+                <a14:hiddenLine xmlns="" xmlns:a14="http://schemas.microsoft.com/office/drawing/2010/main" w="9525">
                   <a:solidFill>
                     <a:srgbClr val="000000"/>
                   </a:solidFill>
@@ -953,7 +957,7 @@
             </a:ln>
             <a:extLst>
               <a:ext uri="{91240B29-F687-4f45-9708-019B960494DF}">
-                <a14:hiddenLine xmlns:a14="http://schemas.microsoft.com/office/drawing/2010/main" xmlns="" w="9525">
+                <a14:hiddenLine xmlns="" xmlns:a14="http://schemas.microsoft.com/office/drawing/2010/main" w="9525">
                   <a:solidFill>
                     <a:srgbClr val="000000"/>
                   </a:solidFill>
@@ -1043,7 +1047,7 @@
             </a:ln>
             <a:extLst>
               <a:ext uri="{91240B29-F687-4f45-9708-019B960494DF}">
-                <a14:hiddenLine xmlns:a14="http://schemas.microsoft.com/office/drawing/2010/main" xmlns="" w="9525">
+                <a14:hiddenLine xmlns="" xmlns:a14="http://schemas.microsoft.com/office/drawing/2010/main" w="9525">
                   <a:solidFill>
                     <a:srgbClr val="000000"/>
                   </a:solidFill>
@@ -1105,7 +1109,7 @@
             </a:ln>
             <a:extLst>
               <a:ext uri="{91240B29-F687-4f45-9708-019B960494DF}">
-                <a14:hiddenLine xmlns:a14="http://schemas.microsoft.com/office/drawing/2010/main" xmlns="" w="9525">
+                <a14:hiddenLine xmlns="" xmlns:a14="http://schemas.microsoft.com/office/drawing/2010/main" w="9525">
                   <a:solidFill>
                     <a:srgbClr val="000000"/>
                   </a:solidFill>
@@ -1215,7 +1219,7 @@
             </a:ln>
             <a:extLst>
               <a:ext uri="{91240B29-F687-4f45-9708-019B960494DF}">
-                <a14:hiddenLine xmlns:a14="http://schemas.microsoft.com/office/drawing/2010/main" xmlns="" w="9525">
+                <a14:hiddenLine xmlns="" xmlns:a14="http://schemas.microsoft.com/office/drawing/2010/main" w="9525">
                   <a:solidFill>
                     <a:srgbClr val="000000"/>
                   </a:solidFill>
@@ -1277,7 +1281,7 @@
             </a:ln>
             <a:extLst>
               <a:ext uri="{91240B29-F687-4f45-9708-019B960494DF}">
-                <a14:hiddenLine xmlns:a14="http://schemas.microsoft.com/office/drawing/2010/main" xmlns="" w="9525">
+                <a14:hiddenLine xmlns="" xmlns:a14="http://schemas.microsoft.com/office/drawing/2010/main" w="9525">
                   <a:solidFill>
                     <a:srgbClr val="000000"/>
                   </a:solidFill>
@@ -1367,7 +1371,7 @@
             </a:ln>
             <a:extLst>
               <a:ext uri="{91240B29-F687-4f45-9708-019B960494DF}">
-                <a14:hiddenLine xmlns:a14="http://schemas.microsoft.com/office/drawing/2010/main" xmlns="" w="9525">
+                <a14:hiddenLine xmlns="" xmlns:a14="http://schemas.microsoft.com/office/drawing/2010/main" w="9525">
                   <a:solidFill>
                     <a:srgbClr val="000000"/>
                   </a:solidFill>
@@ -1457,7 +1461,7 @@
             </a:ln>
             <a:extLst>
               <a:ext uri="{91240B29-F687-4f45-9708-019B960494DF}">
-                <a14:hiddenLine xmlns:a14="http://schemas.microsoft.com/office/drawing/2010/main" xmlns="" w="9525">
+                <a14:hiddenLine xmlns="" xmlns:a14="http://schemas.microsoft.com/office/drawing/2010/main" w="9525">
                   <a:solidFill>
                     <a:srgbClr val="000000"/>
                   </a:solidFill>
@@ -1519,7 +1523,7 @@
             </a:ln>
             <a:extLst>
               <a:ext uri="{91240B29-F687-4f45-9708-019B960494DF}">
-                <a14:hiddenLine xmlns:a14="http://schemas.microsoft.com/office/drawing/2010/main" xmlns="" w="9525">
+                <a14:hiddenLine xmlns="" xmlns:a14="http://schemas.microsoft.com/office/drawing/2010/main" w="9525">
                   <a:solidFill>
                     <a:srgbClr val="000000"/>
                   </a:solidFill>
@@ -1609,7 +1613,7 @@
             </a:ln>
             <a:extLst>
               <a:ext uri="{91240B29-F687-4f45-9708-019B960494DF}">
-                <a14:hiddenLine xmlns:a14="http://schemas.microsoft.com/office/drawing/2010/main" xmlns="" w="9525">
+                <a14:hiddenLine xmlns="" xmlns:a14="http://schemas.microsoft.com/office/drawing/2010/main" w="9525">
                   <a:solidFill>
                     <a:srgbClr val="000000"/>
                   </a:solidFill>
@@ -1699,7 +1703,7 @@
             </a:ln>
             <a:extLst>
               <a:ext uri="{91240B29-F687-4f45-9708-019B960494DF}">
-                <a14:hiddenLine xmlns:a14="http://schemas.microsoft.com/office/drawing/2010/main" xmlns="" w="9525">
+                <a14:hiddenLine xmlns="" xmlns:a14="http://schemas.microsoft.com/office/drawing/2010/main" w="9525">
                   <a:solidFill>
                     <a:srgbClr val="000000"/>
                   </a:solidFill>
@@ -1755,7 +1759,7 @@
             </a:ln>
             <a:extLst>
               <a:ext uri="{91240B29-F687-4f45-9708-019B960494DF}">
-                <a14:hiddenLine xmlns:a14="http://schemas.microsoft.com/office/drawing/2010/main" xmlns="" w="9525">
+                <a14:hiddenLine xmlns="" xmlns:a14="http://schemas.microsoft.com/office/drawing/2010/main" w="9525">
                   <a:solidFill>
                     <a:srgbClr val="000000"/>
                   </a:solidFill>
@@ -1845,7 +1849,7 @@
             </a:ln>
             <a:extLst>
               <a:ext uri="{91240B29-F687-4f45-9708-019B960494DF}">
-                <a14:hiddenLine xmlns:a14="http://schemas.microsoft.com/office/drawing/2010/main" xmlns="" w="9525">
+                <a14:hiddenLine xmlns="" xmlns:a14="http://schemas.microsoft.com/office/drawing/2010/main" w="9525">
                   <a:solidFill>
                     <a:srgbClr val="000000"/>
                   </a:solidFill>
@@ -1901,7 +1905,7 @@
             </a:ln>
             <a:extLst>
               <a:ext uri="{91240B29-F687-4f45-9708-019B960494DF}">
-                <a14:hiddenLine xmlns:a14="http://schemas.microsoft.com/office/drawing/2010/main" xmlns="" w="9525">
+                <a14:hiddenLine xmlns="" xmlns:a14="http://schemas.microsoft.com/office/drawing/2010/main" w="9525">
                   <a:solidFill>
                     <a:srgbClr val="000000"/>
                   </a:solidFill>
@@ -1991,7 +1995,7 @@
             </a:ln>
             <a:extLst>
               <a:ext uri="{91240B29-F687-4f45-9708-019B960494DF}">
-                <a14:hiddenLine xmlns:a14="http://schemas.microsoft.com/office/drawing/2010/main" xmlns="" w="9525">
+                <a14:hiddenLine xmlns="" xmlns:a14="http://schemas.microsoft.com/office/drawing/2010/main" w="9525">
                   <a:solidFill>
                     <a:srgbClr val="000000"/>
                   </a:solidFill>
@@ -2059,7 +2063,7 @@
             </a:ln>
             <a:extLst>
               <a:ext uri="{91240B29-F687-4f45-9708-019B960494DF}">
-                <a14:hiddenLine xmlns:a14="http://schemas.microsoft.com/office/drawing/2010/main" xmlns="" w="9525">
+                <a14:hiddenLine xmlns="" xmlns:a14="http://schemas.microsoft.com/office/drawing/2010/main" w="9525">
                   <a:solidFill>
                     <a:srgbClr val="000000"/>
                   </a:solidFill>
@@ -2149,7 +2153,7 @@
             </a:ln>
             <a:extLst>
               <a:ext uri="{91240B29-F687-4f45-9708-019B960494DF}">
-                <a14:hiddenLine xmlns:a14="http://schemas.microsoft.com/office/drawing/2010/main" xmlns="" w="9525">
+                <a14:hiddenLine xmlns="" xmlns:a14="http://schemas.microsoft.com/office/drawing/2010/main" w="9525">
                   <a:solidFill>
                     <a:srgbClr val="000000"/>
                   </a:solidFill>
@@ -2217,7 +2221,7 @@
             </a:ln>
             <a:extLst>
               <a:ext uri="{91240B29-F687-4f45-9708-019B960494DF}">
-                <a14:hiddenLine xmlns:a14="http://schemas.microsoft.com/office/drawing/2010/main" xmlns="" w="9525">
+                <a14:hiddenLine xmlns="" xmlns:a14="http://schemas.microsoft.com/office/drawing/2010/main" w="9525">
                   <a:solidFill>
                     <a:srgbClr val="000000"/>
                   </a:solidFill>
@@ -2307,7 +2311,7 @@
             </a:ln>
             <a:extLst>
               <a:ext uri="{91240B29-F687-4f45-9708-019B960494DF}">
-                <a14:hiddenLine xmlns:a14="http://schemas.microsoft.com/office/drawing/2010/main" xmlns="" w="9525">
+                <a14:hiddenLine xmlns="" xmlns:a14="http://schemas.microsoft.com/office/drawing/2010/main" w="9525">
                   <a:solidFill>
                     <a:srgbClr val="000000"/>
                   </a:solidFill>
@@ -2341,7 +2345,7 @@
             </a:ln>
             <a:extLst>
               <a:ext uri="{91240B29-F687-4f45-9708-019B960494DF}">
-                <a14:hiddenLine xmlns:a14="http://schemas.microsoft.com/office/drawing/2010/main" xmlns="" w="9525">
+                <a14:hiddenLine xmlns="" xmlns:a14="http://schemas.microsoft.com/office/drawing/2010/main" w="9525">
                   <a:solidFill>
                     <a:srgbClr val="000000"/>
                   </a:solidFill>
@@ -2431,7 +2435,7 @@
             </a:ln>
             <a:extLst>
               <a:ext uri="{91240B29-F687-4f45-9708-019B960494DF}">
-                <a14:hiddenLine xmlns:a14="http://schemas.microsoft.com/office/drawing/2010/main" xmlns="" w="9525">
+                <a14:hiddenLine xmlns="" xmlns:a14="http://schemas.microsoft.com/office/drawing/2010/main" w="9525">
                   <a:solidFill>
                     <a:srgbClr val="000000"/>
                   </a:solidFill>
@@ -2493,7 +2497,7 @@
             </a:ln>
             <a:extLst>
               <a:ext uri="{91240B29-F687-4f45-9708-019B960494DF}">
-                <a14:hiddenLine xmlns:a14="http://schemas.microsoft.com/office/drawing/2010/main" xmlns="" w="9525">
+                <a14:hiddenLine xmlns="" xmlns:a14="http://schemas.microsoft.com/office/drawing/2010/main" w="9525">
                   <a:solidFill>
                     <a:srgbClr val="000000"/>
                   </a:solidFill>
@@ -2555,7 +2559,7 @@
             </a:ln>
             <a:extLst>
               <a:ext uri="{91240B29-F687-4f45-9708-019B960494DF}">
-                <a14:hiddenLine xmlns:a14="http://schemas.microsoft.com/office/drawing/2010/main" xmlns="" w="9525">
+                <a14:hiddenLine xmlns="" xmlns:a14="http://schemas.microsoft.com/office/drawing/2010/main" w="9525">
                   <a:solidFill>
                     <a:srgbClr val="000000"/>
                   </a:solidFill>
@@ -2645,7 +2649,7 @@
             </a:ln>
             <a:extLst>
               <a:ext uri="{91240B29-F687-4f45-9708-019B960494DF}">
-                <a14:hiddenLine xmlns:a14="http://schemas.microsoft.com/office/drawing/2010/main" xmlns="" w="9525">
+                <a14:hiddenLine xmlns="" xmlns:a14="http://schemas.microsoft.com/office/drawing/2010/main" w="9525">
                   <a:solidFill>
                     <a:srgbClr val="000000"/>
                   </a:solidFill>
@@ -2713,7 +2717,7 @@
             </a:ln>
             <a:extLst>
               <a:ext uri="{91240B29-F687-4f45-9708-019B960494DF}">
-                <a14:hiddenLine xmlns:a14="http://schemas.microsoft.com/office/drawing/2010/main" xmlns="" w="9525">
+                <a14:hiddenLine xmlns="" xmlns:a14="http://schemas.microsoft.com/office/drawing/2010/main" w="9525">
                   <a:solidFill>
                     <a:srgbClr val="000000"/>
                   </a:solidFill>
@@ -2775,7 +2779,7 @@
             </a:ln>
             <a:extLst>
               <a:ext uri="{91240B29-F687-4f45-9708-019B960494DF}">
-                <a14:hiddenLine xmlns:a14="http://schemas.microsoft.com/office/drawing/2010/main" xmlns="" w="9525">
+                <a14:hiddenLine xmlns="" xmlns:a14="http://schemas.microsoft.com/office/drawing/2010/main" w="9525">
                   <a:solidFill>
                     <a:srgbClr val="000000"/>
                   </a:solidFill>
@@ -2865,7 +2869,7 @@
             </a:ln>
             <a:extLst>
               <a:ext uri="{91240B29-F687-4f45-9708-019B960494DF}">
-                <a14:hiddenLine xmlns:a14="http://schemas.microsoft.com/office/drawing/2010/main" xmlns="" w="9525">
+                <a14:hiddenLine xmlns="" xmlns:a14="http://schemas.microsoft.com/office/drawing/2010/main" w="9525">
                   <a:solidFill>
                     <a:srgbClr val="000000"/>
                   </a:solidFill>
@@ -2927,7 +2931,7 @@
             </a:ln>
             <a:extLst>
               <a:ext uri="{91240B29-F687-4f45-9708-019B960494DF}">
-                <a14:hiddenLine xmlns:a14="http://schemas.microsoft.com/office/drawing/2010/main" xmlns="" w="9525">
+                <a14:hiddenLine xmlns="" xmlns:a14="http://schemas.microsoft.com/office/drawing/2010/main" w="9525">
                   <a:solidFill>
                     <a:srgbClr val="000000"/>
                   </a:solidFill>
@@ -3017,7 +3021,7 @@
             </a:ln>
             <a:extLst>
               <a:ext uri="{91240B29-F687-4f45-9708-019B960494DF}">
-                <a14:hiddenLine xmlns:a14="http://schemas.microsoft.com/office/drawing/2010/main" xmlns="" w="9525">
+                <a14:hiddenLine xmlns="" xmlns:a14="http://schemas.microsoft.com/office/drawing/2010/main" w="9525">
                   <a:solidFill>
                     <a:srgbClr val="000000"/>
                   </a:solidFill>
@@ -3079,7 +3083,7 @@
             </a:ln>
             <a:extLst>
               <a:ext uri="{91240B29-F687-4f45-9708-019B960494DF}">
-                <a14:hiddenLine xmlns:a14="http://schemas.microsoft.com/office/drawing/2010/main" xmlns="" w="9525">
+                <a14:hiddenLine xmlns="" xmlns:a14="http://schemas.microsoft.com/office/drawing/2010/main" w="9525">
                   <a:solidFill>
                     <a:srgbClr val="000000"/>
                   </a:solidFill>
@@ -3169,7 +3173,7 @@
             </a:ln>
             <a:extLst>
               <a:ext uri="{91240B29-F687-4f45-9708-019B960494DF}">
-                <a14:hiddenLine xmlns:a14="http://schemas.microsoft.com/office/drawing/2010/main" xmlns="" w="9525">
+                <a14:hiddenLine xmlns="" xmlns:a14="http://schemas.microsoft.com/office/drawing/2010/main" w="9525">
                   <a:solidFill>
                     <a:srgbClr val="000000"/>
                   </a:solidFill>
@@ -3203,7 +3207,7 @@
             </a:ln>
             <a:extLst>
               <a:ext uri="{91240B29-F687-4f45-9708-019B960494DF}">
-                <a14:hiddenLine xmlns:a14="http://schemas.microsoft.com/office/drawing/2010/main" xmlns="" w="9525">
+                <a14:hiddenLine xmlns="" xmlns:a14="http://schemas.microsoft.com/office/drawing/2010/main" w="9525">
                   <a:solidFill>
                     <a:srgbClr val="000000"/>
                   </a:solidFill>
@@ -3268,7 +3272,7 @@
             </a:ln>
             <a:extLst>
               <a:ext uri="{91240B29-F687-4f45-9708-019B960494DF}">
-                <a14:hiddenLine xmlns:a14="http://schemas.microsoft.com/office/drawing/2010/main" xmlns="" w="9525">
+                <a14:hiddenLine xmlns="" xmlns:a14="http://schemas.microsoft.com/office/drawing/2010/main" w="9525">
                   <a:solidFill>
                     <a:srgbClr val="000000"/>
                   </a:solidFill>
@@ -3358,7 +3362,7 @@
             </a:ln>
             <a:extLst>
               <a:ext uri="{91240B29-F687-4f45-9708-019B960494DF}">
-                <a14:hiddenLine xmlns:a14="http://schemas.microsoft.com/office/drawing/2010/main" xmlns="" w="9525">
+                <a14:hiddenLine xmlns="" xmlns:a14="http://schemas.microsoft.com/office/drawing/2010/main" w="9525">
                   <a:solidFill>
                     <a:srgbClr val="000000"/>
                   </a:solidFill>
@@ -3420,7 +3424,7 @@
             </a:ln>
             <a:extLst>
               <a:ext uri="{91240B29-F687-4f45-9708-019B960494DF}">
-                <a14:hiddenLine xmlns:a14="http://schemas.microsoft.com/office/drawing/2010/main" xmlns="" w="9525">
+                <a14:hiddenLine xmlns="" xmlns:a14="http://schemas.microsoft.com/office/drawing/2010/main" w="9525">
                   <a:solidFill>
                     <a:srgbClr val="000000"/>
                   </a:solidFill>
@@ -3510,7 +3514,7 @@
             </a:ln>
             <a:extLst>
               <a:ext uri="{91240B29-F687-4f45-9708-019B960494DF}">
-                <a14:hiddenLine xmlns:a14="http://schemas.microsoft.com/office/drawing/2010/main" xmlns="" w="9525">
+                <a14:hiddenLine xmlns="" xmlns:a14="http://schemas.microsoft.com/office/drawing/2010/main" w="9525">
                   <a:solidFill>
                     <a:srgbClr val="000000"/>
                   </a:solidFill>
@@ -3600,7 +3604,7 @@
             </a:ln>
             <a:extLst>
               <a:ext uri="{91240B29-F687-4f45-9708-019B960494DF}">
-                <a14:hiddenLine xmlns:a14="http://schemas.microsoft.com/office/drawing/2010/main" xmlns="" w="9525">
+                <a14:hiddenLine xmlns="" xmlns:a14="http://schemas.microsoft.com/office/drawing/2010/main" w="9525">
                   <a:solidFill>
                     <a:srgbClr val="000000"/>
                   </a:solidFill>
@@ -3665,7 +3669,7 @@
             </a:ln>
             <a:extLst>
               <a:ext uri="{91240B29-F687-4f45-9708-019B960494DF}">
-                <a14:hiddenLine xmlns:a14="http://schemas.microsoft.com/office/drawing/2010/main" xmlns="" w="9525">
+                <a14:hiddenLine xmlns="" xmlns:a14="http://schemas.microsoft.com/office/drawing/2010/main" w="9525">
                   <a:solidFill>
                     <a:srgbClr val="000000"/>
                   </a:solidFill>
@@ -3727,7 +3731,7 @@
             </a:ln>
             <a:extLst>
               <a:ext uri="{91240B29-F687-4f45-9708-019B960494DF}">
-                <a14:hiddenLine xmlns:a14="http://schemas.microsoft.com/office/drawing/2010/main" xmlns="" w="9525">
+                <a14:hiddenLine xmlns="" xmlns:a14="http://schemas.microsoft.com/office/drawing/2010/main" w="9525">
                   <a:solidFill>
                     <a:srgbClr val="000000"/>
                   </a:solidFill>
@@ -3817,7 +3821,7 @@
             </a:ln>
             <a:extLst>
               <a:ext uri="{91240B29-F687-4f45-9708-019B960494DF}">
-                <a14:hiddenLine xmlns:a14="http://schemas.microsoft.com/office/drawing/2010/main" xmlns="" w="9525">
+                <a14:hiddenLine xmlns="" xmlns:a14="http://schemas.microsoft.com/office/drawing/2010/main" w="9525">
                   <a:solidFill>
                     <a:srgbClr val="000000"/>
                   </a:solidFill>
@@ -3907,7 +3911,7 @@
             </a:ln>
             <a:extLst>
               <a:ext uri="{91240B29-F687-4f45-9708-019B960494DF}">
-                <a14:hiddenLine xmlns:a14="http://schemas.microsoft.com/office/drawing/2010/main" xmlns="" w="9525">
+                <a14:hiddenLine xmlns="" xmlns:a14="http://schemas.microsoft.com/office/drawing/2010/main" w="9525">
                   <a:solidFill>
                     <a:srgbClr val="000000"/>
                   </a:solidFill>
@@ -3969,7 +3973,7 @@
             </a:ln>
             <a:extLst>
               <a:ext uri="{91240B29-F687-4f45-9708-019B960494DF}">
-                <a14:hiddenLine xmlns:a14="http://schemas.microsoft.com/office/drawing/2010/main" xmlns="" w="9525">
+                <a14:hiddenLine xmlns="" xmlns:a14="http://schemas.microsoft.com/office/drawing/2010/main" w="9525">
                   <a:solidFill>
                     <a:srgbClr val="000000"/>
                   </a:solidFill>
@@ -4089,7 +4093,7 @@
             </a:ln>
             <a:extLst>
               <a:ext uri="{91240B29-F687-4f45-9708-019B960494DF}">
-                <a14:hiddenLine xmlns:a14="http://schemas.microsoft.com/office/drawing/2010/main" xmlns="" w="9525">
+                <a14:hiddenLine xmlns="" xmlns:a14="http://schemas.microsoft.com/office/drawing/2010/main" w="9525">
                   <a:solidFill>
                     <a:srgbClr val="000000"/>
                   </a:solidFill>
@@ -4157,7 +4161,7 @@
             </a:ln>
             <a:extLst>
               <a:ext uri="{91240B29-F687-4f45-9708-019B960494DF}">
-                <a14:hiddenLine xmlns:a14="http://schemas.microsoft.com/office/drawing/2010/main" xmlns="" w="9525">
+                <a14:hiddenLine xmlns="" xmlns:a14="http://schemas.microsoft.com/office/drawing/2010/main" w="9525">
                   <a:solidFill>
                     <a:srgbClr val="000000"/>
                   </a:solidFill>
@@ -4247,7 +4251,7 @@
             </a:ln>
             <a:extLst>
               <a:ext uri="{91240B29-F687-4f45-9708-019B960494DF}">
-                <a14:hiddenLine xmlns:a14="http://schemas.microsoft.com/office/drawing/2010/main" xmlns="" w="9525">
+                <a14:hiddenLine xmlns="" xmlns:a14="http://schemas.microsoft.com/office/drawing/2010/main" w="9525">
                   <a:solidFill>
                     <a:srgbClr val="000000"/>
                   </a:solidFill>
@@ -4387,7 +4391,7 @@
           <a:p>
             <a:fld id="{48A87A34-81AB-432B-8DAE-1953F412C126}" type="datetimeFigureOut">
               <a:rPr lang="en-US" dirty="0"/>
-              <a:t>9/11/2019</a:t>
+              <a:t>9/12/2019</a:t>
             </a:fld>
             <a:endParaRPr lang="en-US" dirty="0"/>
           </a:p>
@@ -4649,7 +4653,7 @@
           <a:p>
             <a:fld id="{48A87A34-81AB-432B-8DAE-1953F412C126}" type="datetimeFigureOut">
               <a:rPr lang="en-US" dirty="0"/>
-              <a:t>9/11/2019</a:t>
+              <a:t>9/12/2019</a:t>
             </a:fld>
             <a:endParaRPr lang="en-US" dirty="0"/>
           </a:p>
@@ -4840,7 +4844,7 @@
           <a:p>
             <a:fld id="{48A87A34-81AB-432B-8DAE-1953F412C126}" type="datetimeFigureOut">
               <a:rPr lang="en-US" dirty="0"/>
-              <a:t>9/11/2019</a:t>
+              <a:t>9/12/2019</a:t>
             </a:fld>
             <a:endParaRPr lang="en-US" dirty="0"/>
           </a:p>
@@ -5098,7 +5102,7 @@
           <a:p>
             <a:fld id="{48A87A34-81AB-432B-8DAE-1953F412C126}" type="datetimeFigureOut">
               <a:rPr lang="en-US" dirty="0"/>
-              <a:t>9/11/2019</a:t>
+              <a:t>9/12/2019</a:t>
             </a:fld>
             <a:endParaRPr lang="en-US" dirty="0"/>
           </a:p>
@@ -5527,7 +5531,7 @@
           <a:p>
             <a:fld id="{48A87A34-81AB-432B-8DAE-1953F412C126}" type="datetimeFigureOut">
               <a:rPr lang="en-US" dirty="0"/>
-              <a:t>9/11/2019</a:t>
+              <a:t>9/12/2019</a:t>
             </a:fld>
             <a:endParaRPr lang="en-US" dirty="0"/>
           </a:p>
@@ -6068,7 +6072,7 @@
           <a:p>
             <a:fld id="{48A87A34-81AB-432B-8DAE-1953F412C126}" type="datetimeFigureOut">
               <a:rPr lang="en-US" dirty="0"/>
-              <a:t>9/11/2019</a:t>
+              <a:t>9/12/2019</a:t>
             </a:fld>
             <a:endParaRPr lang="en-US" dirty="0"/>
           </a:p>
@@ -6783,7 +6787,7 @@
           <a:p>
             <a:fld id="{48A87A34-81AB-432B-8DAE-1953F412C126}" type="datetimeFigureOut">
               <a:rPr lang="en-US" dirty="0"/>
-              <a:t>9/11/2019</a:t>
+              <a:t>9/12/2019</a:t>
             </a:fld>
             <a:endParaRPr lang="en-US" dirty="0"/>
           </a:p>
@@ -6948,7 +6952,7 @@
           <a:p>
             <a:fld id="{48A87A34-81AB-432B-8DAE-1953F412C126}" type="datetimeFigureOut">
               <a:rPr lang="en-US" dirty="0"/>
-              <a:t>9/11/2019</a:t>
+              <a:t>9/12/2019</a:t>
             </a:fld>
             <a:endParaRPr lang="en-US" dirty="0"/>
           </a:p>
@@ -7123,7 +7127,7 @@
           <a:p>
             <a:fld id="{48A87A34-81AB-432B-8DAE-1953F412C126}" type="datetimeFigureOut">
               <a:rPr lang="en-US" dirty="0"/>
-              <a:t>9/11/2019</a:t>
+              <a:t>9/12/2019</a:t>
             </a:fld>
             <a:endParaRPr lang="en-US" dirty="0"/>
           </a:p>
@@ -7288,7 +7292,7 @@
           <a:p>
             <a:fld id="{48A87A34-81AB-432B-8DAE-1953F412C126}" type="datetimeFigureOut">
               <a:rPr lang="en-US" dirty="0"/>
-              <a:t>9/11/2019</a:t>
+              <a:t>9/12/2019</a:t>
             </a:fld>
             <a:endParaRPr lang="en-US" dirty="0"/>
           </a:p>
@@ -7533,7 +7537,7 @@
           <a:p>
             <a:fld id="{48A87A34-81AB-432B-8DAE-1953F412C126}" type="datetimeFigureOut">
               <a:rPr lang="en-US" dirty="0"/>
-              <a:t>9/11/2019</a:t>
+              <a:t>9/12/2019</a:t>
             </a:fld>
             <a:endParaRPr lang="en-US" dirty="0"/>
           </a:p>
@@ -7760,7 +7764,7 @@
           <a:p>
             <a:fld id="{48A87A34-81AB-432B-8DAE-1953F412C126}" type="datetimeFigureOut">
               <a:rPr lang="en-US" dirty="0"/>
-              <a:t>9/11/2019</a:t>
+              <a:t>9/12/2019</a:t>
             </a:fld>
             <a:endParaRPr lang="en-US" dirty="0"/>
           </a:p>
@@ -8136,7 +8140,7 @@
           <a:p>
             <a:fld id="{48A87A34-81AB-432B-8DAE-1953F412C126}" type="datetimeFigureOut">
               <a:rPr lang="en-US" dirty="0"/>
-              <a:t>9/11/2019</a:t>
+              <a:t>9/12/2019</a:t>
             </a:fld>
             <a:endParaRPr lang="en-US" dirty="0"/>
           </a:p>
@@ -8249,7 +8253,7 @@
           <a:p>
             <a:fld id="{48A87A34-81AB-432B-8DAE-1953F412C126}" type="datetimeFigureOut">
               <a:rPr lang="en-US" dirty="0"/>
-              <a:t>9/11/2019</a:t>
+              <a:t>9/12/2019</a:t>
             </a:fld>
             <a:endParaRPr lang="en-US" dirty="0"/>
           </a:p>
@@ -8339,7 +8343,7 @@
           <a:p>
             <a:fld id="{48A87A34-81AB-432B-8DAE-1953F412C126}" type="datetimeFigureOut">
               <a:rPr lang="en-US" dirty="0"/>
-              <a:t>9/11/2019</a:t>
+              <a:t>9/12/2019</a:t>
             </a:fld>
             <a:endParaRPr lang="en-US" dirty="0"/>
           </a:p>
@@ -8583,7 +8587,7 @@
           <a:p>
             <a:fld id="{48A87A34-81AB-432B-8DAE-1953F412C126}" type="datetimeFigureOut">
               <a:rPr lang="en-US" dirty="0"/>
-              <a:t>9/11/2019</a:t>
+              <a:t>9/12/2019</a:t>
             </a:fld>
             <a:endParaRPr lang="en-US" dirty="0"/>
           </a:p>
@@ -8858,7 +8862,7 @@
           <a:p>
             <a:fld id="{48A87A34-81AB-432B-8DAE-1953F412C126}" type="datetimeFigureOut">
               <a:rPr lang="en-US" dirty="0"/>
-              <a:t>9/11/2019</a:t>
+              <a:t>9/12/2019</a:t>
             </a:fld>
             <a:endParaRPr lang="en-US" dirty="0"/>
           </a:p>
@@ -8969,7 +8973,7 @@
           <a:noFill/>
           <a:extLst>
             <a:ext uri="{909E8E84-426E-40dd-AFC4-6F175D3DCCD1}">
-              <a14:hiddenFill xmlns:a14="http://schemas.microsoft.com/office/drawing/2010/main" xmlns="">
+              <a14:hiddenFill xmlns="" xmlns:a14="http://schemas.microsoft.com/office/drawing/2010/main">
                 <a:solidFill>
                   <a:srgbClr val="FFFFFF"/>
                 </a:solidFill>
@@ -9043,7 +9047,7 @@
               </a:ln>
               <a:extLst>
                 <a:ext uri="{91240B29-F687-4f45-9708-019B960494DF}">
-                  <a14:hiddenLine xmlns:a14="http://schemas.microsoft.com/office/drawing/2010/main" xmlns="" w="9525">
+                  <a14:hiddenLine xmlns="" xmlns:a14="http://schemas.microsoft.com/office/drawing/2010/main" w="9525">
                     <a:solidFill>
                       <a:srgbClr val="000000"/>
                     </a:solidFill>
@@ -9133,7 +9137,7 @@
               </a:ln>
               <a:extLst>
                 <a:ext uri="{91240B29-F687-4f45-9708-019B960494DF}">
-                  <a14:hiddenLine xmlns:a14="http://schemas.microsoft.com/office/drawing/2010/main" xmlns="" w="9525">
+                  <a14:hiddenLine xmlns="" xmlns:a14="http://schemas.microsoft.com/office/drawing/2010/main" w="9525">
                     <a:solidFill>
                       <a:srgbClr val="000000"/>
                     </a:solidFill>
@@ -9223,7 +9227,7 @@
               </a:ln>
               <a:extLst>
                 <a:ext uri="{91240B29-F687-4f45-9708-019B960494DF}">
-                  <a14:hiddenLine xmlns:a14="http://schemas.microsoft.com/office/drawing/2010/main" xmlns="" w="9525">
+                  <a14:hiddenLine xmlns="" xmlns:a14="http://schemas.microsoft.com/office/drawing/2010/main" w="9525">
                     <a:solidFill>
                       <a:srgbClr val="000000"/>
                     </a:solidFill>
@@ -9285,7 +9289,7 @@
               </a:ln>
               <a:extLst>
                 <a:ext uri="{91240B29-F687-4f45-9708-019B960494DF}">
-                  <a14:hiddenLine xmlns:a14="http://schemas.microsoft.com/office/drawing/2010/main" xmlns="" w="9525">
+                  <a14:hiddenLine xmlns="" xmlns:a14="http://schemas.microsoft.com/office/drawing/2010/main" w="9525">
                     <a:solidFill>
                       <a:srgbClr val="000000"/>
                     </a:solidFill>
@@ -9375,7 +9379,7 @@
               </a:ln>
               <a:extLst>
                 <a:ext uri="{91240B29-F687-4f45-9708-019B960494DF}">
-                  <a14:hiddenLine xmlns:a14="http://schemas.microsoft.com/office/drawing/2010/main" xmlns="" w="9525">
+                  <a14:hiddenLine xmlns="" xmlns:a14="http://schemas.microsoft.com/office/drawing/2010/main" w="9525">
                     <a:solidFill>
                       <a:srgbClr val="000000"/>
                     </a:solidFill>
@@ -9437,7 +9441,7 @@
               </a:ln>
               <a:extLst>
                 <a:ext uri="{91240B29-F687-4f45-9708-019B960494DF}">
-                  <a14:hiddenLine xmlns:a14="http://schemas.microsoft.com/office/drawing/2010/main" xmlns="" w="9525">
+                  <a14:hiddenLine xmlns="" xmlns:a14="http://schemas.microsoft.com/office/drawing/2010/main" w="9525">
                     <a:solidFill>
                       <a:srgbClr val="000000"/>
                     </a:solidFill>
@@ -9499,7 +9503,7 @@
               </a:ln>
               <a:extLst>
                 <a:ext uri="{91240B29-F687-4f45-9708-019B960494DF}">
-                  <a14:hiddenLine xmlns:a14="http://schemas.microsoft.com/office/drawing/2010/main" xmlns="" w="9525">
+                  <a14:hiddenLine xmlns="" xmlns:a14="http://schemas.microsoft.com/office/drawing/2010/main" w="9525">
                     <a:solidFill>
                       <a:srgbClr val="000000"/>
                     </a:solidFill>
@@ -9589,7 +9593,7 @@
               </a:ln>
               <a:extLst>
                 <a:ext uri="{91240B29-F687-4f45-9708-019B960494DF}">
-                  <a14:hiddenLine xmlns:a14="http://schemas.microsoft.com/office/drawing/2010/main" xmlns="" w="9525">
+                  <a14:hiddenLine xmlns="" xmlns:a14="http://schemas.microsoft.com/office/drawing/2010/main" w="9525">
                     <a:solidFill>
                       <a:srgbClr val="000000"/>
                     </a:solidFill>
@@ -9679,7 +9683,7 @@
               </a:ln>
               <a:extLst>
                 <a:ext uri="{91240B29-F687-4f45-9708-019B960494DF}">
-                  <a14:hiddenLine xmlns:a14="http://schemas.microsoft.com/office/drawing/2010/main" xmlns="" w="9525">
+                  <a14:hiddenLine xmlns="" xmlns:a14="http://schemas.microsoft.com/office/drawing/2010/main" w="9525">
                     <a:solidFill>
                       <a:srgbClr val="000000"/>
                     </a:solidFill>
@@ -9741,7 +9745,7 @@
               </a:ln>
               <a:extLst>
                 <a:ext uri="{91240B29-F687-4f45-9708-019B960494DF}">
-                  <a14:hiddenLine xmlns:a14="http://schemas.microsoft.com/office/drawing/2010/main" xmlns="" w="9525">
+                  <a14:hiddenLine xmlns="" xmlns:a14="http://schemas.microsoft.com/office/drawing/2010/main" w="9525">
                     <a:solidFill>
                       <a:srgbClr val="000000"/>
                     </a:solidFill>
@@ -9851,7 +9855,7 @@
               </a:ln>
               <a:extLst>
                 <a:ext uri="{91240B29-F687-4f45-9708-019B960494DF}">
-                  <a14:hiddenLine xmlns:a14="http://schemas.microsoft.com/office/drawing/2010/main" xmlns="" w="9525">
+                  <a14:hiddenLine xmlns="" xmlns:a14="http://schemas.microsoft.com/office/drawing/2010/main" w="9525">
                     <a:solidFill>
                       <a:srgbClr val="000000"/>
                     </a:solidFill>
@@ -9935,7 +9939,7 @@
               </a:ln>
               <a:extLst>
                 <a:ext uri="{91240B29-F687-4f45-9708-019B960494DF}">
-                  <a14:hiddenLine xmlns:a14="http://schemas.microsoft.com/office/drawing/2010/main" xmlns="" w="9525">
+                  <a14:hiddenLine xmlns="" xmlns:a14="http://schemas.microsoft.com/office/drawing/2010/main" w="9525">
                     <a:solidFill>
                       <a:srgbClr val="000000"/>
                     </a:solidFill>
@@ -9997,7 +10001,7 @@
               </a:ln>
               <a:extLst>
                 <a:ext uri="{91240B29-F687-4f45-9708-019B960494DF}">
-                  <a14:hiddenLine xmlns:a14="http://schemas.microsoft.com/office/drawing/2010/main" xmlns="" w="9525">
+                  <a14:hiddenLine xmlns="" xmlns:a14="http://schemas.microsoft.com/office/drawing/2010/main" w="9525">
                     <a:solidFill>
                       <a:srgbClr val="000000"/>
                     </a:solidFill>
@@ -10059,7 +10063,7 @@
               </a:ln>
               <a:extLst>
                 <a:ext uri="{91240B29-F687-4f45-9708-019B960494DF}">
-                  <a14:hiddenLine xmlns:a14="http://schemas.microsoft.com/office/drawing/2010/main" xmlns="" w="9525">
+                  <a14:hiddenLine xmlns="" xmlns:a14="http://schemas.microsoft.com/office/drawing/2010/main" w="9525">
                     <a:solidFill>
                       <a:srgbClr val="000000"/>
                     </a:solidFill>
@@ -10149,7 +10153,7 @@
               </a:ln>
               <a:extLst>
                 <a:ext uri="{91240B29-F687-4f45-9708-019B960494DF}">
-                  <a14:hiddenLine xmlns:a14="http://schemas.microsoft.com/office/drawing/2010/main" xmlns="" w="9525">
+                  <a14:hiddenLine xmlns="" xmlns:a14="http://schemas.microsoft.com/office/drawing/2010/main" w="9525">
                     <a:solidFill>
                       <a:srgbClr val="000000"/>
                     </a:solidFill>
@@ -10183,7 +10187,7 @@
               </a:ln>
               <a:extLst>
                 <a:ext uri="{91240B29-F687-4f45-9708-019B960494DF}">
-                  <a14:hiddenLine xmlns:a14="http://schemas.microsoft.com/office/drawing/2010/main" xmlns="" w="9525">
+                  <a14:hiddenLine xmlns="" xmlns:a14="http://schemas.microsoft.com/office/drawing/2010/main" w="9525">
                     <a:solidFill>
                       <a:srgbClr val="000000"/>
                     </a:solidFill>
@@ -10248,7 +10252,7 @@
               </a:ln>
               <a:extLst>
                 <a:ext uri="{91240B29-F687-4f45-9708-019B960494DF}">
-                  <a14:hiddenLine xmlns:a14="http://schemas.microsoft.com/office/drawing/2010/main" xmlns="" w="9525">
+                  <a14:hiddenLine xmlns="" xmlns:a14="http://schemas.microsoft.com/office/drawing/2010/main" w="9525">
                     <a:solidFill>
                       <a:srgbClr val="000000"/>
                     </a:solidFill>
@@ -10338,7 +10342,7 @@
               </a:ln>
               <a:extLst>
                 <a:ext uri="{91240B29-F687-4f45-9708-019B960494DF}">
-                  <a14:hiddenLine xmlns:a14="http://schemas.microsoft.com/office/drawing/2010/main" xmlns="" w="9525">
+                  <a14:hiddenLine xmlns="" xmlns:a14="http://schemas.microsoft.com/office/drawing/2010/main" w="9525">
                     <a:solidFill>
                       <a:srgbClr val="000000"/>
                     </a:solidFill>
@@ -10400,7 +10404,7 @@
               </a:ln>
               <a:extLst>
                 <a:ext uri="{91240B29-F687-4f45-9708-019B960494DF}">
-                  <a14:hiddenLine xmlns:a14="http://schemas.microsoft.com/office/drawing/2010/main" xmlns="" w="9525">
+                  <a14:hiddenLine xmlns="" xmlns:a14="http://schemas.microsoft.com/office/drawing/2010/main" w="9525">
                     <a:solidFill>
                       <a:srgbClr val="000000"/>
                     </a:solidFill>
@@ -10490,7 +10494,7 @@
               </a:ln>
               <a:extLst>
                 <a:ext uri="{91240B29-F687-4f45-9708-019B960494DF}">
-                  <a14:hiddenLine xmlns:a14="http://schemas.microsoft.com/office/drawing/2010/main" xmlns="" w="9525">
+                  <a14:hiddenLine xmlns="" xmlns:a14="http://schemas.microsoft.com/office/drawing/2010/main" w="9525">
                     <a:solidFill>
                       <a:srgbClr val="000000"/>
                     </a:solidFill>
@@ -10555,7 +10559,7 @@
               </a:ln>
               <a:extLst>
                 <a:ext uri="{91240B29-F687-4f45-9708-019B960494DF}">
-                  <a14:hiddenLine xmlns:a14="http://schemas.microsoft.com/office/drawing/2010/main" xmlns="" w="9525">
+                  <a14:hiddenLine xmlns="" xmlns:a14="http://schemas.microsoft.com/office/drawing/2010/main" w="9525">
                     <a:solidFill>
                       <a:srgbClr val="000000"/>
                     </a:solidFill>
@@ -10617,7 +10621,7 @@
               </a:ln>
               <a:extLst>
                 <a:ext uri="{91240B29-F687-4f45-9708-019B960494DF}">
-                  <a14:hiddenLine xmlns:a14="http://schemas.microsoft.com/office/drawing/2010/main" xmlns="" w="9525">
+                  <a14:hiddenLine xmlns="" xmlns:a14="http://schemas.microsoft.com/office/drawing/2010/main" w="9525">
                     <a:solidFill>
                       <a:srgbClr val="000000"/>
                     </a:solidFill>
@@ -10707,7 +10711,7 @@
               </a:ln>
               <a:extLst>
                 <a:ext uri="{91240B29-F687-4f45-9708-019B960494DF}">
-                  <a14:hiddenLine xmlns:a14="http://schemas.microsoft.com/office/drawing/2010/main" xmlns="" w="9525">
+                  <a14:hiddenLine xmlns="" xmlns:a14="http://schemas.microsoft.com/office/drawing/2010/main" w="9525">
                     <a:solidFill>
                       <a:srgbClr val="000000"/>
                     </a:solidFill>
@@ -10797,7 +10801,7 @@
               </a:ln>
               <a:extLst>
                 <a:ext uri="{91240B29-F687-4f45-9708-019B960494DF}">
-                  <a14:hiddenLine xmlns:a14="http://schemas.microsoft.com/office/drawing/2010/main" xmlns="" w="9525">
+                  <a14:hiddenLine xmlns="" xmlns:a14="http://schemas.microsoft.com/office/drawing/2010/main" w="9525">
                     <a:solidFill>
                       <a:srgbClr val="000000"/>
                     </a:solidFill>
@@ -10862,7 +10866,7 @@
               </a:ln>
               <a:extLst>
                 <a:ext uri="{91240B29-F687-4f45-9708-019B960494DF}">
-                  <a14:hiddenLine xmlns:a14="http://schemas.microsoft.com/office/drawing/2010/main" xmlns="" w="9525">
+                  <a14:hiddenLine xmlns="" xmlns:a14="http://schemas.microsoft.com/office/drawing/2010/main" w="9525">
                     <a:solidFill>
                       <a:srgbClr val="000000"/>
                     </a:solidFill>
@@ -10982,7 +10986,7 @@
               </a:ln>
               <a:extLst>
                 <a:ext uri="{91240B29-F687-4f45-9708-019B960494DF}">
-                  <a14:hiddenLine xmlns:a14="http://schemas.microsoft.com/office/drawing/2010/main" xmlns="" w="9525">
+                  <a14:hiddenLine xmlns="" xmlns:a14="http://schemas.microsoft.com/office/drawing/2010/main" w="9525">
                     <a:solidFill>
                       <a:srgbClr val="000000"/>
                     </a:solidFill>
@@ -11080,7 +11084,7 @@
               </a:ln>
               <a:extLst>
                 <a:ext uri="{91240B29-F687-4f45-9708-019B960494DF}">
-                  <a14:hiddenLine xmlns:a14="http://schemas.microsoft.com/office/drawing/2010/main" xmlns="" w="9525">
+                  <a14:hiddenLine xmlns="" xmlns:a14="http://schemas.microsoft.com/office/drawing/2010/main" w="9525">
                     <a:solidFill>
                       <a:srgbClr val="000000"/>
                     </a:solidFill>
@@ -11195,7 +11199,7 @@
               </a:ln>
               <a:extLst>
                 <a:ext uri="{91240B29-F687-4f45-9708-019B960494DF}">
-                  <a14:hiddenLine xmlns:a14="http://schemas.microsoft.com/office/drawing/2010/main" xmlns="" w="9525">
+                  <a14:hiddenLine xmlns="" xmlns:a14="http://schemas.microsoft.com/office/drawing/2010/main" w="9525">
                     <a:solidFill>
                       <a:srgbClr val="000000"/>
                     </a:solidFill>
@@ -11285,7 +11289,7 @@
               </a:ln>
               <a:extLst>
                 <a:ext uri="{91240B29-F687-4f45-9708-019B960494DF}">
-                  <a14:hiddenLine xmlns:a14="http://schemas.microsoft.com/office/drawing/2010/main" xmlns="" w="9525">
+                  <a14:hiddenLine xmlns="" xmlns:a14="http://schemas.microsoft.com/office/drawing/2010/main" w="9525">
                     <a:solidFill>
                       <a:srgbClr val="000000"/>
                     </a:solidFill>
@@ -11350,7 +11354,7 @@
               </a:ln>
               <a:extLst>
                 <a:ext uri="{91240B29-F687-4f45-9708-019B960494DF}">
-                  <a14:hiddenLine xmlns:a14="http://schemas.microsoft.com/office/drawing/2010/main" xmlns="" w="9525">
+                  <a14:hiddenLine xmlns="" xmlns:a14="http://schemas.microsoft.com/office/drawing/2010/main" w="9525">
                     <a:solidFill>
                       <a:srgbClr val="000000"/>
                     </a:solidFill>
@@ -11440,7 +11444,7 @@
               </a:ln>
               <a:extLst>
                 <a:ext uri="{91240B29-F687-4f45-9708-019B960494DF}">
-                  <a14:hiddenLine xmlns:a14="http://schemas.microsoft.com/office/drawing/2010/main" xmlns="" w="9525">
+                  <a14:hiddenLine xmlns="" xmlns:a14="http://schemas.microsoft.com/office/drawing/2010/main" w="9525">
                     <a:solidFill>
                       <a:srgbClr val="000000"/>
                     </a:solidFill>
@@ -11508,7 +11512,7 @@
               </a:ln>
               <a:extLst>
                 <a:ext uri="{91240B29-F687-4f45-9708-019B960494DF}">
-                  <a14:hiddenLine xmlns:a14="http://schemas.microsoft.com/office/drawing/2010/main" xmlns="" w="9525">
+                  <a14:hiddenLine xmlns="" xmlns:a14="http://schemas.microsoft.com/office/drawing/2010/main" w="9525">
                     <a:solidFill>
                       <a:srgbClr val="000000"/>
                     </a:solidFill>
@@ -11598,7 +11602,7 @@
               </a:ln>
               <a:extLst>
                 <a:ext uri="{91240B29-F687-4f45-9708-019B960494DF}">
-                  <a14:hiddenLine xmlns:a14="http://schemas.microsoft.com/office/drawing/2010/main" xmlns="" w="9525">
+                  <a14:hiddenLine xmlns="" xmlns:a14="http://schemas.microsoft.com/office/drawing/2010/main" w="9525">
                     <a:solidFill>
                       <a:srgbClr val="000000"/>
                     </a:solidFill>
@@ -11666,7 +11670,7 @@
               </a:ln>
               <a:extLst>
                 <a:ext uri="{91240B29-F687-4f45-9708-019B960494DF}">
-                  <a14:hiddenLine xmlns:a14="http://schemas.microsoft.com/office/drawing/2010/main" xmlns="" w="9525">
+                  <a14:hiddenLine xmlns="" xmlns:a14="http://schemas.microsoft.com/office/drawing/2010/main" w="9525">
                     <a:solidFill>
                       <a:srgbClr val="000000"/>
                     </a:solidFill>
@@ -11756,7 +11760,7 @@
               </a:ln>
               <a:extLst>
                 <a:ext uri="{91240B29-F687-4f45-9708-019B960494DF}">
-                  <a14:hiddenLine xmlns:a14="http://schemas.microsoft.com/office/drawing/2010/main" xmlns="" w="9525">
+                  <a14:hiddenLine xmlns="" xmlns:a14="http://schemas.microsoft.com/office/drawing/2010/main" w="9525">
                     <a:solidFill>
                       <a:srgbClr val="000000"/>
                     </a:solidFill>
@@ -11790,7 +11794,7 @@
               </a:ln>
               <a:extLst>
                 <a:ext uri="{91240B29-F687-4f45-9708-019B960494DF}">
-                  <a14:hiddenLine xmlns:a14="http://schemas.microsoft.com/office/drawing/2010/main" xmlns="" w="9525">
+                  <a14:hiddenLine xmlns="" xmlns:a14="http://schemas.microsoft.com/office/drawing/2010/main" w="9525">
                     <a:solidFill>
                       <a:srgbClr val="000000"/>
                     </a:solidFill>
@@ -11931,7 +11935,7 @@
             <a:fld id="{48A87A34-81AB-432B-8DAE-1953F412C126}" type="datetimeFigureOut">
               <a:rPr lang="en-US" dirty="0"/>
               <a:pPr/>
-              <a:t>9/11/2019</a:t>
+              <a:t>9/12/2019</a:t>
             </a:fld>
             <a:endParaRPr lang="en-US" dirty="0"/>
           </a:p>
@@ -12545,63 +12549,6 @@
           </a:p>
         </p:txBody>
       </p:sp>
-      <p:pic>
-        <p:nvPicPr>
-          <p:cNvPr id="1026" name="Picture 2" descr="behavior, marketing, personalization, selection, target, tracking, user icon">
-            <a:extLst>
-              <a:ext uri="{FF2B5EF4-FFF2-40B4-BE49-F238E27FC236}">
-                <a16:creationId xmlns:a16="http://schemas.microsoft.com/office/drawing/2014/main" id="{D83B666D-2C30-4F81-9EB5-1056956E3320}"/>
-              </a:ext>
-            </a:extLst>
-          </p:cNvPr>
-          <p:cNvPicPr>
-            <a:picLocks noChangeAspect="1" noChangeArrowheads="1"/>
-          </p:cNvPicPr>
-          <p:nvPr/>
-        </p:nvPicPr>
-        <p:blipFill>
-          <a:blip r:embed="rId2">
-            <a:lum bright="70000" contrast="-70000"/>
-            <a:extLst>
-              <a:ext uri="{BEBA8EAE-BF5A-486C-A8C5-ECC9F3942E4B}">
-                <a14:imgProps xmlns:a14="http://schemas.microsoft.com/office/drawing/2010/main">
-                  <a14:imgLayer r:embed="rId3">
-                    <a14:imgEffect>
-                      <a14:artisticCrisscrossEtching/>
-                    </a14:imgEffect>
-                  </a14:imgLayer>
-                </a14:imgProps>
-              </a:ext>
-              <a:ext uri="{28A0092B-C50C-407E-A947-70E740481C1C}">
-                <a14:useLocalDpi xmlns:a14="http://schemas.microsoft.com/office/drawing/2010/main" val="0"/>
-              </a:ext>
-            </a:extLst>
-          </a:blip>
-          <a:srcRect/>
-          <a:stretch>
-            <a:fillRect/>
-          </a:stretch>
-        </p:blipFill>
-        <p:spPr bwMode="auto">
-          <a:xfrm>
-            <a:off x="8739640" y="2492828"/>
-            <a:ext cx="2307771" cy="2307771"/>
-          </a:xfrm>
-          <a:prstGeom prst="rect">
-            <a:avLst/>
-          </a:prstGeom>
-          <a:noFill/>
-          <a:extLst>
-            <a:ext uri="{909E8E84-426E-40DD-AFC4-6F175D3DCCD1}">
-              <a14:hiddenFill xmlns:a14="http://schemas.microsoft.com/office/drawing/2010/main">
-                <a:solidFill>
-                  <a:srgbClr val="FFFFFF"/>
-                </a:solidFill>
-              </a14:hiddenFill>
-            </a:ext>
-          </a:extLst>
-        </p:spPr>
-      </p:pic>
     </p:spTree>
     <p:extLst>
       <p:ext uri="{BB962C8B-B14F-4D97-AF65-F5344CB8AC3E}">
@@ -12700,7 +12647,47 @@
             </a:br>
             <a:r>
               <a:rPr lang="pt-BR" sz="3200" dirty="0"/>
-              <a:t>classes dos elementos.</a:t>
+              <a:t>classes dos elementos</a:t>
+            </a:r>
+            <a:r>
+              <a:rPr lang="pt-BR" sz="3200" dirty="0" smtClean="0"/>
+              <a:t>.</a:t>
+            </a:r>
+          </a:p>
+          <a:p>
+            <a:pPr>
+              <a:lnSpc>
+                <a:spcPct val="100000"/>
+              </a:lnSpc>
+              <a:spcBef>
+                <a:spcPts val="600"/>
+              </a:spcBef>
+            </a:pPr>
+            <a:r>
+              <a:rPr lang="pt-BR" sz="3200" dirty="0" smtClean="0"/>
+              <a:t> Implementa </a:t>
+            </a:r>
+            <a:r>
+              <a:rPr lang="pt-BR" sz="3200" dirty="0"/>
+              <a:t>uma </a:t>
+            </a:r>
+            <a:r>
+              <a:rPr lang="pt-BR" sz="3200" dirty="0" smtClean="0"/>
+              <a:t>interface</a:t>
+            </a:r>
+          </a:p>
+          <a:p>
+            <a:pPr>
+              <a:lnSpc>
+                <a:spcPct val="100000"/>
+              </a:lnSpc>
+              <a:spcBef>
+                <a:spcPts val="600"/>
+              </a:spcBef>
+            </a:pPr>
+            <a:r>
+              <a:rPr lang="pt-BR" sz="3200" dirty="0" smtClean="0"/>
+              <a:t> Separa os algoritmos dos objetos</a:t>
             </a:r>
           </a:p>
           <a:p>
@@ -12714,12 +12701,41 @@
             </a:pPr>
             <a:r>
               <a:rPr lang="pt-BR" sz="3200" dirty="0"/>
-              <a:t> Implementa </a:t>
+              <a:t>Os novos comportamentos ficam em uma classe </a:t>
+            </a:r>
+            <a:br>
+              <a:rPr lang="pt-BR" sz="3200" dirty="0"/>
+            </a:br>
+            <a:r>
+              <a:rPr lang="pt-BR" sz="3200" dirty="0"/>
+              <a:t>separada  chamada visitor</a:t>
             </a:r>
             <a:r>
-              <a:rPr lang="pt-BR" sz="3200"/>
-              <a:t>uma interface</a:t>
+              <a:rPr lang="pt-BR" sz="3200" dirty="0" smtClean="0"/>
+              <a:t>.</a:t>
             </a:r>
+          </a:p>
+          <a:p>
+            <a:pPr>
+              <a:lnSpc>
+                <a:spcPct val="100000"/>
+              </a:lnSpc>
+              <a:spcBef>
+                <a:spcPts val="600"/>
+              </a:spcBef>
+            </a:pPr>
+            <a:endParaRPr lang="pt-BR" sz="3200" dirty="0" smtClean="0"/>
+          </a:p>
+          <a:p>
+            <a:pPr>
+              <a:lnSpc>
+                <a:spcPct val="100000"/>
+              </a:lnSpc>
+              <a:spcBef>
+                <a:spcPts val="600"/>
+              </a:spcBef>
+            </a:pPr>
+            <a:endParaRPr lang="pt-BR" sz="3200" dirty="0"/>
           </a:p>
           <a:p>
             <a:pPr>
@@ -12821,86 +12837,6 @@
     <p:extLst>
       <p:ext uri="{BB962C8B-B14F-4D97-AF65-F5344CB8AC3E}">
         <p14:creationId xmlns:p14="http://schemas.microsoft.com/office/powerpoint/2010/main" val="1137037887"/>
-      </p:ext>
-    </p:extLst>
-  </p:cSld>
-  <p:clrMapOvr>
-    <a:masterClrMapping/>
-  </p:clrMapOvr>
-</p:sld>
-</file>
-
-<file path=ppt/slides/slide5.xml><?xml version="1.0" encoding="utf-8"?>
-<p:sld xmlns:a="http://schemas.openxmlformats.org/drawingml/2006/main" xmlns:r="http://schemas.openxmlformats.org/officeDocument/2006/relationships" xmlns:p="http://schemas.openxmlformats.org/presentationml/2006/main">
-  <p:cSld>
-    <p:spTree>
-      <p:nvGrpSpPr>
-        <p:cNvPr id="1" name=""/>
-        <p:cNvGrpSpPr/>
-        <p:nvPr/>
-      </p:nvGrpSpPr>
-      <p:grpSpPr>
-        <a:xfrm>
-          <a:off x="0" y="0"/>
-          <a:ext cx="0" cy="0"/>
-          <a:chOff x="0" y="0"/>
-          <a:chExt cx="0" cy="0"/>
-        </a:xfrm>
-      </p:grpSpPr>
-      <p:sp>
-        <p:nvSpPr>
-          <p:cNvPr id="2" name="Título 1">
-            <a:extLst>
-              <a:ext uri="{FF2B5EF4-FFF2-40B4-BE49-F238E27FC236}">
-                <a16:creationId xmlns:a16="http://schemas.microsoft.com/office/drawing/2014/main" id="{358A3CD1-562E-4148-9BC9-C274195AA5DB}"/>
-              </a:ext>
-            </a:extLst>
-          </p:cNvPr>
-          <p:cNvSpPr>
-            <a:spLocks noGrp="1"/>
-          </p:cNvSpPr>
-          <p:nvPr>
-            <p:ph type="title"/>
-          </p:nvPr>
-        </p:nvSpPr>
-        <p:spPr/>
-        <p:txBody>
-          <a:bodyPr/>
-          <a:lstStyle/>
-          <a:p>
-            <a:endParaRPr lang="pt-BR"/>
-          </a:p>
-        </p:txBody>
-      </p:sp>
-      <p:sp>
-        <p:nvSpPr>
-          <p:cNvPr id="3" name="Espaço Reservado para Conteúdo 2">
-            <a:extLst>
-              <a:ext uri="{FF2B5EF4-FFF2-40B4-BE49-F238E27FC236}">
-                <a16:creationId xmlns:a16="http://schemas.microsoft.com/office/drawing/2014/main" id="{3822D8A7-CBB6-4408-BF17-D3BDF92D0F5F}"/>
-              </a:ext>
-            </a:extLst>
-          </p:cNvPr>
-          <p:cNvSpPr>
-            <a:spLocks noGrp="1"/>
-          </p:cNvSpPr>
-          <p:nvPr>
-            <p:ph idx="1"/>
-          </p:nvPr>
-        </p:nvSpPr>
-        <p:spPr/>
-        <p:txBody>
-          <a:bodyPr/>
-          <a:lstStyle/>
-          <a:p>
-            <a:endParaRPr lang="pt-BR"/>
-          </a:p>
-        </p:txBody>
-      </p:sp>
-    </p:spTree>
-    <p:extLst>
-      <p:ext uri="{BB962C8B-B14F-4D97-AF65-F5344CB8AC3E}">
-        <p14:creationId xmlns:p14="http://schemas.microsoft.com/office/powerpoint/2010/main" val="2600419652"/>
       </p:ext>
     </p:extLst>
   </p:cSld>

--- a/Docs/Design Patterns - Visitor.pptx
+++ b/Docs/Design Patterns - Visitor.pptx
@@ -12804,7 +12804,11 @@
           <a:bodyPr/>
           <a:lstStyle/>
           <a:p>
-            <a:endParaRPr lang="pt-BR"/>
+            <a:r>
+              <a:rPr lang="pt-BR" dirty="0" smtClean="0"/>
+              <a:t>Exemplo Loja</a:t>
+            </a:r>
+            <a:endParaRPr lang="pt-BR" dirty="0"/>
           </a:p>
         </p:txBody>
       </p:sp>
@@ -12826,10 +12830,53 @@
         </p:nvSpPr>
         <p:spPr/>
         <p:txBody>
-          <a:bodyPr/>
+          <a:bodyPr>
+            <a:normAutofit/>
+          </a:bodyPr>
           <a:lstStyle/>
           <a:p>
-            <a:endParaRPr lang="pt-BR"/>
+            <a:r>
+              <a:rPr lang="pt-BR" sz="3200" dirty="0" smtClean="0"/>
+              <a:t> Classes Monitor </a:t>
+            </a:r>
+            <a:r>
+              <a:rPr lang="pt-BR" sz="3200" smtClean="0"/>
+              <a:t>e Impressora.</a:t>
+            </a:r>
+            <a:endParaRPr lang="pt-BR" sz="3200" dirty="0" smtClean="0"/>
+          </a:p>
+          <a:p>
+            <a:r>
+              <a:rPr lang="pt-BR" sz="3200" dirty="0" smtClean="0"/>
+              <a:t> Novos métodos são implementados nas classes correspondentes </a:t>
+            </a:r>
+            <a:r>
+              <a:rPr lang="pt-BR" sz="3200" dirty="0" err="1" smtClean="0"/>
+              <a:t>VisitorPeso</a:t>
+            </a:r>
+            <a:r>
+              <a:rPr lang="pt-BR" sz="3200" dirty="0" smtClean="0"/>
+              <a:t> e </a:t>
+            </a:r>
+            <a:r>
+              <a:rPr lang="pt-BR" sz="3200" dirty="0" err="1" smtClean="0"/>
+              <a:t>VisitorPreco</a:t>
+            </a:r>
+            <a:r>
+              <a:rPr lang="pt-BR" sz="3200" dirty="0" smtClean="0"/>
+              <a:t>.</a:t>
+            </a:r>
+          </a:p>
+          <a:p>
+            <a:r>
+              <a:rPr lang="pt-BR" sz="3200" dirty="0"/>
+              <a:t> </a:t>
+            </a:r>
+            <a:r>
+              <a:rPr lang="pt-BR" sz="3200" dirty="0" smtClean="0"/>
+              <a:t>As classes originais permanecem inalteradas.</a:t>
+            </a:r>
+            <a:endParaRPr lang="pt-BR" sz="3200" dirty="0"/>
           </a:p>
         </p:txBody>
       </p:sp>
